--- a/ppts/offline/Unifying Points, Beams, and Paths in Volumetric Light Transport Simulation.pptx
+++ b/ppts/offline/Unifying Points, Beams, and Paths in Volumetric Light Transport Simulation.pptx
@@ -5,19 +5,20 @@
     <p:sldMasterId id="2147483658" r:id="rId1"/>
   </p:sldMasterIdLst>
   <p:notesMasterIdLst>
-    <p:notesMasterId r:id="rId9"/>
+    <p:notesMasterId r:id="rId10"/>
   </p:notesMasterIdLst>
   <p:handoutMasterIdLst>
-    <p:handoutMasterId r:id="rId10"/>
+    <p:handoutMasterId r:id="rId11"/>
   </p:handoutMasterIdLst>
   <p:sldIdLst>
     <p:sldId id="717" r:id="rId2"/>
     <p:sldId id="700" r:id="rId3"/>
-    <p:sldId id="704" r:id="rId4"/>
-    <p:sldId id="710" r:id="rId5"/>
-    <p:sldId id="702" r:id="rId6"/>
-    <p:sldId id="701" r:id="rId7"/>
-    <p:sldId id="709" r:id="rId8"/>
+    <p:sldId id="718" r:id="rId4"/>
+    <p:sldId id="704" r:id="rId5"/>
+    <p:sldId id="710" r:id="rId6"/>
+    <p:sldId id="702" r:id="rId7"/>
+    <p:sldId id="701" r:id="rId8"/>
+    <p:sldId id="709" r:id="rId9"/>
   </p:sldIdLst>
   <p:sldSz cx="12192000" cy="6858000"/>
   <p:notesSz cx="6858000" cy="9144000"/>
@@ -2857,7 +2858,7 @@
           <a:p>
             <a:fld id="{116CA9A1-49A5-4813-BE73-64411D697E83}" type="datetimeFigureOut">
               <a:rPr kumimoji="1" lang="ja-JP" altLang="en-US" smtClean="0"/>
-              <a:t>2019/3/19</a:t>
+              <a:t>2019/3/21</a:t>
             </a:fld>
             <a:endParaRPr kumimoji="1" lang="ja-JP" altLang="en-US"/>
           </a:p>
@@ -3022,7 +3023,7 @@
           <a:p>
             <a:fld id="{BB218005-AB2E-4230-9CBF-EC876F8C3946}" type="datetimeFigureOut">
               <a:rPr kumimoji="1" lang="ja-JP" altLang="en-US" smtClean="0"/>
-              <a:t>2019/3/19</a:t>
+              <a:t>2019/3/21</a:t>
             </a:fld>
             <a:endParaRPr kumimoji="1" lang="ja-JP" altLang="en-US"/>
           </a:p>
@@ -6886,6 +6887,424 @@
           </a:p>
         </p:txBody>
       </p:sp>
+      <p:pic>
+        <p:nvPicPr>
+          <p:cNvPr id="9" name="図 8">
+            <a:extLst>
+              <a:ext uri="{FF2B5EF4-FFF2-40B4-BE49-F238E27FC236}">
+                <a16:creationId xmlns:a16="http://schemas.microsoft.com/office/drawing/2014/main" id="{A9BEDF2F-10A8-4FE5-86D0-382449073551}"/>
+              </a:ext>
+            </a:extLst>
+          </p:cNvPr>
+          <p:cNvPicPr>
+            <a:picLocks noChangeAspect="1"/>
+          </p:cNvPicPr>
+          <p:nvPr/>
+        </p:nvPicPr>
+        <p:blipFill>
+          <a:blip r:embed="rId2"/>
+          <a:stretch>
+            <a:fillRect/>
+          </a:stretch>
+        </p:blipFill>
+        <p:spPr>
+          <a:xfrm>
+            <a:off x="1107975" y="899765"/>
+            <a:ext cx="9976050" cy="4293435"/>
+          </a:xfrm>
+          <a:prstGeom prst="rect">
+            <a:avLst/>
+          </a:prstGeom>
+        </p:spPr>
+      </p:pic>
+      <p:sp>
+        <p:nvSpPr>
+          <p:cNvPr id="11" name="コンテンツ プレースホルダー 3">
+            <a:extLst>
+              <a:ext uri="{FF2B5EF4-FFF2-40B4-BE49-F238E27FC236}">
+                <a16:creationId xmlns:a16="http://schemas.microsoft.com/office/drawing/2014/main" id="{86F0B602-AB69-4AD2-BEB0-3ED014D5B0D0}"/>
+              </a:ext>
+            </a:extLst>
+          </p:cNvPr>
+          <p:cNvSpPr>
+            <a:spLocks noGrp="1"/>
+          </p:cNvSpPr>
+          <p:nvPr/>
+        </p:nvSpPr>
+        <p:spPr>
+          <a:xfrm>
+            <a:off x="845626" y="5517231"/>
+            <a:ext cx="10686978" cy="1086587"/>
+          </a:xfrm>
+          <a:prstGeom prst="rect">
+            <a:avLst/>
+          </a:prstGeom>
+        </p:spPr>
+        <p:txBody>
+          <a:bodyPr vert="horz" lIns="91440" tIns="45720" rIns="91440" bIns="45720" rtlCol="0">
+            <a:normAutofit/>
+          </a:bodyPr>
+          <a:lstStyle>
+            <a:lvl1pPr marL="228600" indent="-228600" algn="l" defTabSz="914400" rtl="0" eaLnBrk="1" latinLnBrk="0" hangingPunct="1">
+              <a:lnSpc>
+                <a:spcPct val="90000"/>
+              </a:lnSpc>
+              <a:spcBef>
+                <a:spcPts val="1000"/>
+              </a:spcBef>
+              <a:buFont typeface="Arial" panose="020B0604020202020204" pitchFamily="34" charset="0"/>
+              <a:buChar char="•"/>
+              <a:defRPr kumimoji="1" sz="2800" kern="1200">
+                <a:solidFill>
+                  <a:schemeClr val="tx1"/>
+                </a:solidFill>
+                <a:latin typeface="+mn-lt"/>
+                <a:ea typeface="+mn-ea"/>
+                <a:cs typeface="+mn-cs"/>
+              </a:defRPr>
+            </a:lvl1pPr>
+            <a:lvl2pPr marL="685800" indent="-228600" algn="l" defTabSz="914400" rtl="0" eaLnBrk="1" latinLnBrk="0" hangingPunct="1">
+              <a:lnSpc>
+                <a:spcPct val="90000"/>
+              </a:lnSpc>
+              <a:spcBef>
+                <a:spcPts val="500"/>
+              </a:spcBef>
+              <a:buFont typeface="Arial" panose="020B0604020202020204" pitchFamily="34" charset="0"/>
+              <a:buChar char="•"/>
+              <a:defRPr kumimoji="1" sz="2400" kern="1200">
+                <a:solidFill>
+                  <a:schemeClr val="tx1"/>
+                </a:solidFill>
+                <a:latin typeface="+mn-lt"/>
+                <a:ea typeface="+mn-ea"/>
+                <a:cs typeface="+mn-cs"/>
+              </a:defRPr>
+            </a:lvl2pPr>
+            <a:lvl3pPr marL="1143000" indent="-228600" algn="l" defTabSz="914400" rtl="0" eaLnBrk="1" latinLnBrk="0" hangingPunct="1">
+              <a:lnSpc>
+                <a:spcPct val="90000"/>
+              </a:lnSpc>
+              <a:spcBef>
+                <a:spcPts val="500"/>
+              </a:spcBef>
+              <a:buFont typeface="Arial" panose="020B0604020202020204" pitchFamily="34" charset="0"/>
+              <a:buChar char="•"/>
+              <a:defRPr kumimoji="1" sz="2000" kern="1200">
+                <a:solidFill>
+                  <a:schemeClr val="tx1"/>
+                </a:solidFill>
+                <a:latin typeface="+mn-lt"/>
+                <a:ea typeface="+mn-ea"/>
+                <a:cs typeface="+mn-cs"/>
+              </a:defRPr>
+            </a:lvl3pPr>
+            <a:lvl4pPr marL="1600200" indent="-228600" algn="l" defTabSz="914400" rtl="0" eaLnBrk="1" latinLnBrk="0" hangingPunct="1">
+              <a:lnSpc>
+                <a:spcPct val="90000"/>
+              </a:lnSpc>
+              <a:spcBef>
+                <a:spcPts val="500"/>
+              </a:spcBef>
+              <a:buFont typeface="Arial" panose="020B0604020202020204" pitchFamily="34" charset="0"/>
+              <a:buChar char="•"/>
+              <a:defRPr kumimoji="1" sz="1800" kern="1200">
+                <a:solidFill>
+                  <a:schemeClr val="tx1"/>
+                </a:solidFill>
+                <a:latin typeface="+mn-lt"/>
+                <a:ea typeface="+mn-ea"/>
+                <a:cs typeface="+mn-cs"/>
+              </a:defRPr>
+            </a:lvl4pPr>
+            <a:lvl5pPr marL="2057400" indent="-228600" algn="l" defTabSz="914400" rtl="0" eaLnBrk="1" latinLnBrk="0" hangingPunct="1">
+              <a:lnSpc>
+                <a:spcPct val="90000"/>
+              </a:lnSpc>
+              <a:spcBef>
+                <a:spcPts val="500"/>
+              </a:spcBef>
+              <a:buFont typeface="Arial" panose="020B0604020202020204" pitchFamily="34" charset="0"/>
+              <a:buChar char="•"/>
+              <a:defRPr kumimoji="1" sz="1800" kern="1200">
+                <a:solidFill>
+                  <a:schemeClr val="tx1"/>
+                </a:solidFill>
+                <a:latin typeface="+mn-lt"/>
+                <a:ea typeface="+mn-ea"/>
+                <a:cs typeface="+mn-cs"/>
+              </a:defRPr>
+            </a:lvl5pPr>
+            <a:lvl6pPr marL="2514600" indent="-228600" algn="l" defTabSz="914400" rtl="0" eaLnBrk="1" latinLnBrk="0" hangingPunct="1">
+              <a:lnSpc>
+                <a:spcPct val="90000"/>
+              </a:lnSpc>
+              <a:spcBef>
+                <a:spcPts val="500"/>
+              </a:spcBef>
+              <a:buFont typeface="Arial" panose="020B0604020202020204" pitchFamily="34" charset="0"/>
+              <a:buChar char="•"/>
+              <a:defRPr kumimoji="1" sz="1800" kern="1200">
+                <a:solidFill>
+                  <a:schemeClr val="tx1"/>
+                </a:solidFill>
+                <a:latin typeface="+mn-lt"/>
+                <a:ea typeface="+mn-ea"/>
+                <a:cs typeface="+mn-cs"/>
+              </a:defRPr>
+            </a:lvl6pPr>
+            <a:lvl7pPr marL="2971800" indent="-228600" algn="l" defTabSz="914400" rtl="0" eaLnBrk="1" latinLnBrk="0" hangingPunct="1">
+              <a:lnSpc>
+                <a:spcPct val="90000"/>
+              </a:lnSpc>
+              <a:spcBef>
+                <a:spcPts val="500"/>
+              </a:spcBef>
+              <a:buFont typeface="Arial" panose="020B0604020202020204" pitchFamily="34" charset="0"/>
+              <a:buChar char="•"/>
+              <a:defRPr kumimoji="1" sz="1800" kern="1200">
+                <a:solidFill>
+                  <a:schemeClr val="tx1"/>
+                </a:solidFill>
+                <a:latin typeface="+mn-lt"/>
+                <a:ea typeface="+mn-ea"/>
+                <a:cs typeface="+mn-cs"/>
+              </a:defRPr>
+            </a:lvl7pPr>
+            <a:lvl8pPr marL="3429000" indent="-228600" algn="l" defTabSz="914400" rtl="0" eaLnBrk="1" latinLnBrk="0" hangingPunct="1">
+              <a:lnSpc>
+                <a:spcPct val="90000"/>
+              </a:lnSpc>
+              <a:spcBef>
+                <a:spcPts val="500"/>
+              </a:spcBef>
+              <a:buFont typeface="Arial" panose="020B0604020202020204" pitchFamily="34" charset="0"/>
+              <a:buChar char="•"/>
+              <a:defRPr kumimoji="1" sz="1800" kern="1200">
+                <a:solidFill>
+                  <a:schemeClr val="tx1"/>
+                </a:solidFill>
+                <a:latin typeface="+mn-lt"/>
+                <a:ea typeface="+mn-ea"/>
+                <a:cs typeface="+mn-cs"/>
+              </a:defRPr>
+            </a:lvl8pPr>
+            <a:lvl9pPr marL="3886200" indent="-228600" algn="l" defTabSz="914400" rtl="0" eaLnBrk="1" latinLnBrk="0" hangingPunct="1">
+              <a:lnSpc>
+                <a:spcPct val="90000"/>
+              </a:lnSpc>
+              <a:spcBef>
+                <a:spcPts val="500"/>
+              </a:spcBef>
+              <a:buFont typeface="Arial" panose="020B0604020202020204" pitchFamily="34" charset="0"/>
+              <a:buChar char="•"/>
+              <a:defRPr kumimoji="1" sz="1800" kern="1200">
+                <a:solidFill>
+                  <a:schemeClr val="tx1"/>
+                </a:solidFill>
+                <a:latin typeface="+mn-lt"/>
+                <a:ea typeface="+mn-ea"/>
+                <a:cs typeface="+mn-cs"/>
+              </a:defRPr>
+            </a:lvl9pPr>
+          </a:lstStyle>
+          <a:p>
+            <a:pPr marL="0" indent="0">
+              <a:buNone/>
+            </a:pPr>
+            <a:r>
+              <a:rPr kumimoji="1" lang="ja-JP" altLang="en-US" sz="2000" b="1" dirty="0"/>
+              <a:t>一言で</a:t>
+            </a:r>
+            <a:endParaRPr kumimoji="1" lang="en-US" altLang="ja-JP" sz="2000" b="1" dirty="0"/>
+          </a:p>
+          <a:p>
+            <a:pPr marL="0" indent="0">
+              <a:buNone/>
+            </a:pPr>
+            <a:r>
+              <a:rPr kumimoji="1" lang="ja-JP" altLang="en-US" sz="2000" dirty="0"/>
+              <a:t>異なる特徴を持つ関与媒質に対する</a:t>
+            </a:r>
+            <a:r>
+              <a:rPr kumimoji="1" lang="ja-JP" altLang="en-US" sz="2000" b="1" dirty="0"/>
+              <a:t>単一アプローチ</a:t>
+            </a:r>
+            <a:r>
+              <a:rPr kumimoji="1" lang="ja-JP" altLang="en-US" sz="2000" dirty="0"/>
+              <a:t>でのボリュームレンダリング</a:t>
+            </a:r>
+          </a:p>
+        </p:txBody>
+      </p:sp>
+    </p:spTree>
+    <p:extLst>
+      <p:ext uri="{BB962C8B-B14F-4D97-AF65-F5344CB8AC3E}">
+        <p14:creationId xmlns:p14="http://schemas.microsoft.com/office/powerpoint/2010/main" val="1807499228"/>
+      </p:ext>
+    </p:extLst>
+  </p:cSld>
+  <p:clrMapOvr>
+    <a:masterClrMapping/>
+  </p:clrMapOvr>
+</p:sld>
+</file>
+
+<file path=ppt/slides/slide3.xml><?xml version="1.0" encoding="utf-8"?>
+<p:sld xmlns:a="http://schemas.openxmlformats.org/drawingml/2006/main" xmlns:r="http://schemas.openxmlformats.org/officeDocument/2006/relationships" xmlns:p="http://schemas.openxmlformats.org/presentationml/2006/main">
+  <p:cSld>
+    <p:spTree>
+      <p:nvGrpSpPr>
+        <p:cNvPr id="1" name=""/>
+        <p:cNvGrpSpPr/>
+        <p:nvPr/>
+      </p:nvGrpSpPr>
+      <p:grpSpPr>
+        <a:xfrm>
+          <a:off x="0" y="0"/>
+          <a:ext cx="0" cy="0"/>
+          <a:chOff x="0" y="0"/>
+          <a:chExt cx="0" cy="0"/>
+        </a:xfrm>
+      </p:grpSpPr>
+      <p:sp>
+        <p:nvSpPr>
+          <p:cNvPr id="4" name="タイトル 3"/>
+          <p:cNvSpPr>
+            <a:spLocks noGrp="1"/>
+          </p:cNvSpPr>
+          <p:nvPr>
+            <p:ph type="title"/>
+          </p:nvPr>
+        </p:nvSpPr>
+        <p:spPr/>
+        <p:txBody>
+          <a:bodyPr/>
+          <a:lstStyle/>
+          <a:p>
+            <a:pPr>
+              <a:lnSpc>
+                <a:spcPct val="130000"/>
+              </a:lnSpc>
+              <a:spcAft>
+                <a:spcPts val="1477"/>
+              </a:spcAft>
+            </a:pPr>
+            <a:r>
+              <a:rPr lang="en-US" altLang="ja-JP" sz="1800" b="1" dirty="0">
+                <a:latin typeface="+mn-ea"/>
+              </a:rPr>
+              <a:t>Unifying Points, Beams, and Paths in Volumetric Light Transport Simulation</a:t>
+            </a:r>
+          </a:p>
+        </p:txBody>
+      </p:sp>
+      <p:sp>
+        <p:nvSpPr>
+          <p:cNvPr id="2" name="スライド番号プレースホルダー 1"/>
+          <p:cNvSpPr>
+            <a:spLocks noGrp="1"/>
+          </p:cNvSpPr>
+          <p:nvPr>
+            <p:ph type="sldNum" sz="quarter" idx="4"/>
+          </p:nvPr>
+        </p:nvSpPr>
+        <p:spPr/>
+        <p:txBody>
+          <a:bodyPr/>
+          <a:lstStyle/>
+          <a:p>
+            <a:fld id="{FB3508C7-2FE0-4945-9CBD-863E05F850D2}" type="slidenum">
+              <a:rPr lang="ja-JP" altLang="en-US" smtClean="0"/>
+              <a:pPr/>
+              <a:t>2</a:t>
+            </a:fld>
+            <a:endParaRPr lang="ja-JP" altLang="en-US" dirty="0"/>
+          </a:p>
+        </p:txBody>
+      </p:sp>
+      <p:sp>
+        <p:nvSpPr>
+          <p:cNvPr id="15" name="AutoShape 3"/>
+          <p:cNvSpPr>
+            <a:spLocks noChangeArrowheads="1"/>
+          </p:cNvSpPr>
+          <p:nvPr/>
+        </p:nvSpPr>
+        <p:spPr bwMode="auto">
+          <a:xfrm>
+            <a:off x="998907" y="7173416"/>
+            <a:ext cx="10194186" cy="197105"/>
+          </a:xfrm>
+          <a:prstGeom prst="roundRect">
+            <a:avLst>
+              <a:gd name="adj" fmla="val 0"/>
+            </a:avLst>
+          </a:prstGeom>
+          <a:noFill/>
+          <a:ln>
+            <a:noFill/>
+          </a:ln>
+          <a:effectLst/>
+          <a:extLst>
+            <a:ext uri="{909E8E84-426E-40DD-AFC4-6F175D3DCCD1}">
+              <a14:hiddenFill xmlns:a14="http://schemas.microsoft.com/office/drawing/2010/main">
+                <a:solidFill>
+                  <a:schemeClr val="accent1"/>
+                </a:solidFill>
+              </a14:hiddenFill>
+            </a:ext>
+            <a:ext uri="{91240B29-F687-4F45-9708-019B960494DF}">
+              <a14:hiddenLine xmlns:a14="http://schemas.microsoft.com/office/drawing/2010/main" w="9525">
+                <a:solidFill>
+                  <a:schemeClr val="tx1"/>
+                </a:solidFill>
+                <a:round/>
+                <a:headEnd/>
+                <a:tailEnd/>
+              </a14:hiddenLine>
+            </a:ext>
+            <a:ext uri="{AF507438-7753-43E0-B8FC-AC1667EBCBE1}">
+              <a14:hiddenEffects xmlns:a14="http://schemas.microsoft.com/office/drawing/2010/main">
+                <a:effectLst>
+                  <a:outerShdw dist="35921" dir="2700000" algn="ctr" rotWithShape="0">
+                    <a:schemeClr val="bg2"/>
+                  </a:outerShdw>
+                </a:effectLst>
+              </a14:hiddenEffects>
+            </a:ext>
+          </a:extLst>
+        </p:spPr>
+        <p:txBody>
+          <a:bodyPr wrap="square" lIns="0" tIns="0" rIns="0" bIns="0" anchor="ctr" anchorCtr="0">
+            <a:spAutoFit/>
+          </a:bodyPr>
+          <a:lstStyle/>
+          <a:p>
+            <a:pPr algn="r">
+              <a:lnSpc>
+                <a:spcPct val="140000"/>
+              </a:lnSpc>
+              <a:spcBef>
+                <a:spcPct val="0"/>
+              </a:spcBef>
+            </a:pPr>
+            <a:r>
+              <a:rPr lang="ja-JP" altLang="en-US" sz="985" dirty="0">
+                <a:latin typeface="メイリオ" pitchFamily="50" charset="-128"/>
+                <a:ea typeface="メイリオ" pitchFamily="50" charset="-128"/>
+                <a:cs typeface="メイリオ" pitchFamily="50" charset="-128"/>
+              </a:rPr>
+              <a:t>　</a:t>
+            </a:r>
+            <a:endParaRPr lang="en-US" altLang="ja-JP" sz="985" dirty="0">
+              <a:latin typeface="メイリオ" pitchFamily="50" charset="-128"/>
+              <a:ea typeface="メイリオ" pitchFamily="50" charset="-128"/>
+              <a:cs typeface="メイリオ" pitchFamily="50" charset="-128"/>
+            </a:endParaRPr>
+          </a:p>
+        </p:txBody>
+      </p:sp>
       <p:sp>
         <p:nvSpPr>
           <p:cNvPr id="7" name="コンテンツ プレースホルダー 3">
@@ -7245,7 +7664,7 @@
     </p:spTree>
     <p:extLst>
       <p:ext uri="{BB962C8B-B14F-4D97-AF65-F5344CB8AC3E}">
-        <p14:creationId xmlns:p14="http://schemas.microsoft.com/office/powerpoint/2010/main" val="1807499228"/>
+        <p14:creationId xmlns:p14="http://schemas.microsoft.com/office/powerpoint/2010/main" val="1883412408"/>
       </p:ext>
     </p:extLst>
   </p:cSld>
@@ -7255,7 +7674,7 @@
 </p:sld>
 </file>
 
-<file path=ppt/slides/slide3.xml><?xml version="1.0" encoding="utf-8"?>
+<file path=ppt/slides/slide4.xml><?xml version="1.0" encoding="utf-8"?>
 <p:sld xmlns:a="http://schemas.openxmlformats.org/drawingml/2006/main" xmlns:r="http://schemas.openxmlformats.org/officeDocument/2006/relationships" xmlns:p="http://schemas.openxmlformats.org/presentationml/2006/main">
   <p:cSld>
     <p:spTree>
@@ -7322,7 +7741,7 @@
             <a:fld id="{FB3508C7-2FE0-4945-9CBD-863E05F850D2}" type="slidenum">
               <a:rPr lang="ja-JP" altLang="en-US" smtClean="0"/>
               <a:pPr/>
-              <a:t>2</a:t>
+              <a:t>3</a:t>
             </a:fld>
             <a:endParaRPr lang="ja-JP" altLang="en-US" dirty="0"/>
           </a:p>
@@ -7765,7 +8184,7 @@
 </p:sld>
 </file>
 
-<file path=ppt/slides/slide4.xml><?xml version="1.0" encoding="utf-8"?>
+<file path=ppt/slides/slide5.xml><?xml version="1.0" encoding="utf-8"?>
 <p:sld xmlns:a="http://schemas.openxmlformats.org/drawingml/2006/main" xmlns:r="http://schemas.openxmlformats.org/officeDocument/2006/relationships" xmlns:p="http://schemas.openxmlformats.org/presentationml/2006/main">
   <p:cSld>
     <p:spTree>
@@ -7861,7 +8280,7 @@
             <a:fld id="{FB3508C7-2FE0-4945-9CBD-863E05F850D2}" type="slidenum">
               <a:rPr lang="ja-JP" altLang="en-US" smtClean="0"/>
               <a:pPr/>
-              <a:t>3</a:t>
+              <a:t>4</a:t>
             </a:fld>
             <a:endParaRPr lang="ja-JP" altLang="en-US" dirty="0"/>
           </a:p>
@@ -8314,7 +8733,7 @@
 </p:sld>
 </file>
 
-<file path=ppt/slides/slide5.xml><?xml version="1.0" encoding="utf-8"?>
+<file path=ppt/slides/slide6.xml><?xml version="1.0" encoding="utf-8"?>
 <p:sld xmlns:a="http://schemas.openxmlformats.org/drawingml/2006/main" xmlns:r="http://schemas.openxmlformats.org/officeDocument/2006/relationships" xmlns:p="http://schemas.openxmlformats.org/presentationml/2006/main">
   <p:cSld>
     <p:spTree>
@@ -8381,7 +8800,7 @@
             <a:fld id="{FB3508C7-2FE0-4945-9CBD-863E05F850D2}" type="slidenum">
               <a:rPr lang="ja-JP" altLang="en-US" smtClean="0"/>
               <a:pPr/>
-              <a:t>4</a:t>
+              <a:t>5</a:t>
             </a:fld>
             <a:endParaRPr lang="ja-JP" altLang="en-US" dirty="0"/>
           </a:p>
@@ -8786,7 +9205,7 @@
 </p:sld>
 </file>
 
-<file path=ppt/slides/slide6.xml><?xml version="1.0" encoding="utf-8"?>
+<file path=ppt/slides/slide7.xml><?xml version="1.0" encoding="utf-8"?>
 <p:sld xmlns:a="http://schemas.openxmlformats.org/drawingml/2006/main" xmlns:r="http://schemas.openxmlformats.org/officeDocument/2006/relationships" xmlns:p="http://schemas.openxmlformats.org/presentationml/2006/main">
   <p:cSld>
     <p:spTree>
@@ -8853,7 +9272,7 @@
             <a:fld id="{FB3508C7-2FE0-4945-9CBD-863E05F850D2}" type="slidenum">
               <a:rPr lang="ja-JP" altLang="en-US" smtClean="0"/>
               <a:pPr/>
-              <a:t>5</a:t>
+              <a:t>6</a:t>
             </a:fld>
             <a:endParaRPr lang="ja-JP" altLang="en-US" dirty="0"/>
           </a:p>
@@ -9679,7 +10098,7 @@
 </p:sld>
 </file>
 
-<file path=ppt/slides/slide7.xml><?xml version="1.0" encoding="utf-8"?>
+<file path=ppt/slides/slide8.xml><?xml version="1.0" encoding="utf-8"?>
 <p:sld xmlns:a="http://schemas.openxmlformats.org/drawingml/2006/main" xmlns:r="http://schemas.openxmlformats.org/officeDocument/2006/relationships" xmlns:p="http://schemas.openxmlformats.org/presentationml/2006/main" show="0">
   <p:cSld>
     <p:spTree>
@@ -9746,7 +10165,7 @@
             <a:fld id="{FB3508C7-2FE0-4945-9CBD-863E05F850D2}" type="slidenum">
               <a:rPr lang="ja-JP" altLang="en-US" smtClean="0"/>
               <a:pPr/>
-              <a:t>6</a:t>
+              <a:t>7</a:t>
             </a:fld>
             <a:endParaRPr lang="ja-JP" altLang="en-US" dirty="0"/>
           </a:p>
